--- a/Lecture/Joins 1/Joins_1_Lecture.pptx
+++ b/Lecture/Joins 1/Joins_1_Lecture.pptx
@@ -315,7 +315,7 @@
               <a:pPr>
                 <a:defRPr/>
               </a:pPr>
-              <a:t>2/26/2019</a:t>
+              <a:t>2/17/2025</a:t>
             </a:fld>
             <a:endParaRPr lang="en-US" dirty="0"/>
           </a:p>
@@ -527,7 +527,7 @@
               <a:pPr>
                 <a:defRPr/>
               </a:pPr>
-              <a:t>2/26/2019</a:t>
+              <a:t>2/17/2025</a:t>
             </a:fld>
             <a:endParaRPr lang="en-US" dirty="0"/>
           </a:p>
@@ -1046,7 +1046,7 @@
               <a:pPr>
                 <a:defRPr/>
               </a:pPr>
-              <a:t>2/26/2019</a:t>
+              <a:t>2/17/2025</a:t>
             </a:fld>
             <a:endParaRPr lang="en-US" dirty="0"/>
           </a:p>
@@ -1236,7 +1236,7 @@
               <a:pPr>
                 <a:defRPr/>
               </a:pPr>
-              <a:t>2/26/2019</a:t>
+              <a:t>2/17/2025</a:t>
             </a:fld>
             <a:endParaRPr lang="en-US" dirty="0"/>
           </a:p>
@@ -1436,7 +1436,7 @@
               <a:pPr>
                 <a:defRPr/>
               </a:pPr>
-              <a:t>2/26/2019</a:t>
+              <a:t>2/17/2025</a:t>
             </a:fld>
             <a:endParaRPr lang="en-US" dirty="0"/>
           </a:p>
@@ -1704,7 +1704,7 @@
               <a:pPr>
                 <a:defRPr/>
               </a:pPr>
-              <a:t>2/26/2019</a:t>
+              <a:t>2/17/2025</a:t>
             </a:fld>
             <a:endParaRPr lang="en-US" dirty="0">
               <a:solidFill>
@@ -1918,7 +1918,7 @@
               <a:pPr>
                 <a:defRPr/>
               </a:pPr>
-              <a:t>2/26/2019</a:t>
+              <a:t>2/17/2025</a:t>
             </a:fld>
             <a:endParaRPr lang="en-US" dirty="0">
               <a:solidFill>
@@ -2209,7 +2209,7 @@
               <a:pPr>
                 <a:defRPr/>
               </a:pPr>
-              <a:t>2/26/2019</a:t>
+              <a:t>2/17/2025</a:t>
             </a:fld>
             <a:endParaRPr lang="en-US" dirty="0">
               <a:solidFill>
@@ -2540,7 +2540,7 @@
               <a:pPr>
                 <a:defRPr/>
               </a:pPr>
-              <a:t>2/26/2019</a:t>
+              <a:t>2/17/2025</a:t>
             </a:fld>
             <a:endParaRPr lang="en-US" dirty="0">
               <a:solidFill>
@@ -3005,7 +3005,7 @@
               <a:pPr>
                 <a:defRPr/>
               </a:pPr>
-              <a:t>2/26/2019</a:t>
+              <a:t>2/17/2025</a:t>
             </a:fld>
             <a:endParaRPr lang="en-US" dirty="0">
               <a:solidFill>
@@ -3168,7 +3168,7 @@
               <a:pPr>
                 <a:defRPr/>
               </a:pPr>
-              <a:t>2/26/2019</a:t>
+              <a:t>2/17/2025</a:t>
             </a:fld>
             <a:endParaRPr lang="en-US" dirty="0">
               <a:solidFill>
@@ -3309,7 +3309,7 @@
               <a:pPr>
                 <a:defRPr/>
               </a:pPr>
-              <a:t>2/26/2019</a:t>
+              <a:t>2/17/2025</a:t>
             </a:fld>
             <a:endParaRPr lang="en-US" dirty="0">
               <a:solidFill>
@@ -3630,7 +3630,7 @@
               <a:pPr>
                 <a:defRPr/>
               </a:pPr>
-              <a:t>2/26/2019</a:t>
+              <a:t>2/17/2025</a:t>
             </a:fld>
             <a:endParaRPr lang="en-US" dirty="0">
               <a:solidFill>
@@ -3838,7 +3838,7 @@
               <a:pPr>
                 <a:defRPr/>
               </a:pPr>
-              <a:t>2/26/2019</a:t>
+              <a:t>2/17/2025</a:t>
             </a:fld>
             <a:endParaRPr lang="en-US" dirty="0"/>
           </a:p>
@@ -4121,7 +4121,7 @@
               <a:pPr>
                 <a:defRPr/>
               </a:pPr>
-              <a:t>2/26/2019</a:t>
+              <a:t>2/17/2025</a:t>
             </a:fld>
             <a:endParaRPr lang="en-US" dirty="0">
               <a:solidFill>
@@ -4335,7 +4335,7 @@
               <a:pPr>
                 <a:defRPr/>
               </a:pPr>
-              <a:t>2/26/2019</a:t>
+              <a:t>2/17/2025</a:t>
             </a:fld>
             <a:endParaRPr lang="en-US" dirty="0">
               <a:solidFill>
@@ -4559,7 +4559,7 @@
               <a:pPr>
                 <a:defRPr/>
               </a:pPr>
-              <a:t>2/26/2019</a:t>
+              <a:t>2/17/2025</a:t>
             </a:fld>
             <a:endParaRPr lang="en-US" dirty="0">
               <a:solidFill>
@@ -4769,7 +4769,7 @@
               <a:pPr>
                 <a:defRPr/>
               </a:pPr>
-              <a:t>2/26/2019</a:t>
+              <a:t>2/17/2025</a:t>
             </a:fld>
             <a:endParaRPr lang="en-US" dirty="0">
               <a:solidFill>
@@ -5046,7 +5046,7 @@
               <a:pPr>
                 <a:defRPr/>
               </a:pPr>
-              <a:t>2/26/2019</a:t>
+              <a:t>2/17/2025</a:t>
             </a:fld>
             <a:endParaRPr lang="en-US" dirty="0"/>
           </a:p>
@@ -5353,7 +5353,7 @@
               <a:pPr>
                 <a:defRPr/>
               </a:pPr>
-              <a:t>2/26/2019</a:t>
+              <a:t>2/17/2025</a:t>
             </a:fld>
             <a:endParaRPr lang="en-US" dirty="0"/>
           </a:p>
@@ -5794,7 +5794,7 @@
               <a:pPr>
                 <a:defRPr/>
               </a:pPr>
-              <a:t>2/26/2019</a:t>
+              <a:t>2/17/2025</a:t>
             </a:fld>
             <a:endParaRPr lang="en-US" dirty="0"/>
           </a:p>
@@ -5933,7 +5933,7 @@
               <a:pPr>
                 <a:defRPr/>
               </a:pPr>
-              <a:t>2/26/2019</a:t>
+              <a:t>2/17/2025</a:t>
             </a:fld>
             <a:endParaRPr lang="en-US" dirty="0"/>
           </a:p>
@@ -6050,7 +6050,7 @@
               <a:pPr>
                 <a:defRPr/>
               </a:pPr>
-              <a:t>2/26/2019</a:t>
+              <a:t>2/17/2025</a:t>
             </a:fld>
             <a:endParaRPr lang="en-US" dirty="0"/>
           </a:p>
@@ -6347,7 +6347,7 @@
               <a:pPr>
                 <a:defRPr/>
               </a:pPr>
-              <a:t>2/26/2019</a:t>
+              <a:t>2/17/2025</a:t>
             </a:fld>
             <a:endParaRPr lang="en-US" dirty="0"/>
           </a:p>
@@ -6624,7 +6624,7 @@
               <a:pPr>
                 <a:defRPr/>
               </a:pPr>
-              <a:t>2/26/2019</a:t>
+              <a:t>2/17/2025</a:t>
             </a:fld>
             <a:endParaRPr lang="en-US" dirty="0"/>
           </a:p>
@@ -6881,7 +6881,7 @@
               <a:pPr>
                 <a:defRPr/>
               </a:pPr>
-              <a:t>2/26/2019</a:t>
+              <a:t>2/17/2025</a:t>
             </a:fld>
             <a:endParaRPr lang="en-US" dirty="0"/>
           </a:p>
@@ -7591,7 +7591,7 @@
               <a:pPr>
                 <a:defRPr/>
               </a:pPr>
-              <a:t>2/26/2019</a:t>
+              <a:t>2/17/2025</a:t>
             </a:fld>
             <a:endParaRPr lang="en-US" dirty="0">
               <a:solidFill>
@@ -12465,7 +12465,7 @@
         <p:spPr>
           <a:xfrm>
             <a:off x="3810000" y="621916"/>
-            <a:ext cx="5029200" cy="4524315"/>
+            <a:ext cx="5029200" cy="5262979"/>
           </a:xfrm>
           <a:prstGeom prst="rect">
             <a:avLst/>
@@ -12488,7 +12488,7 @@
                   <a:srgbClr val="404040"/>
                 </a:solidFill>
               </a:rPr>
-              <a:t>Read Chapter 10</a:t>
+              <a:t>Read Chapter 10 (R4DS)</a:t>
             </a:r>
           </a:p>
           <a:p>
@@ -12496,6 +12496,27 @@
               <a:buFont typeface="Arial" panose="020B0604020202020204" pitchFamily="34" charset="0"/>
               <a:buChar char="•"/>
             </a:pPr>
+            <a:endParaRPr lang="en-US" dirty="0">
+              <a:solidFill>
+                <a:srgbClr val="404040"/>
+              </a:solidFill>
+            </a:endParaRPr>
+          </a:p>
+          <a:p>
+            <a:pPr marL="342900" indent="-342900">
+              <a:buFont typeface="Arial" panose="020B0604020202020204" pitchFamily="34" charset="0"/>
+              <a:buChar char="•"/>
+            </a:pPr>
+            <a:r>
+              <a:rPr lang="en-US" dirty="0">
+                <a:solidFill>
+                  <a:srgbClr val="404040"/>
+                </a:solidFill>
+              </a:rPr>
+              <a:t>Read Chapter 19 (R4DS2)</a:t>
+            </a:r>
+          </a:p>
+          <a:p>
             <a:endParaRPr lang="en-US" dirty="0">
               <a:solidFill>
                 <a:srgbClr val="404040"/>
@@ -16394,7 +16415,7 @@
         <p:spPr>
           <a:xfrm>
             <a:off x="3810000" y="621916"/>
-            <a:ext cx="5029200" cy="4524315"/>
+            <a:ext cx="5334000" cy="4524315"/>
           </a:xfrm>
           <a:prstGeom prst="rect">
             <a:avLst/>
@@ -16417,7 +16438,7 @@
                   <a:srgbClr val="404040"/>
                 </a:solidFill>
               </a:rPr>
-              <a:t>Transaction Data</a:t>
+              <a:t>Transaction Data (Members Only)</a:t>
             </a:r>
           </a:p>
           <a:p>
@@ -16964,7 +16985,7 @@
                   <a:srgbClr val="404040"/>
                 </a:solidFill>
               </a:rPr>
-              <a:t>Order Data (Preview)</a:t>
+              <a:t>Order Data (All Customers)</a:t>
             </a:r>
           </a:p>
         </p:txBody>
@@ -17972,7 +17993,7 @@
         <p:spPr>
           <a:xfrm>
             <a:off x="3810000" y="621916"/>
-            <a:ext cx="5181600" cy="4524315"/>
+            <a:ext cx="5334000" cy="6001643"/>
           </a:xfrm>
           <a:prstGeom prst="rect">
             <a:avLst/>
@@ -18045,7 +18066,7 @@
                   <a:srgbClr val="404040"/>
                 </a:solidFill>
               </a:rPr>
-              <a:t>Day + Month is a Primary Key for Sales Data</a:t>
+              <a:t>Day + Month is a Primary Key for Sales Data (Compound Key)</a:t>
             </a:r>
           </a:p>
           <a:p>
@@ -18085,15 +18106,46 @@
             </a:endParaRPr>
           </a:p>
           <a:p>
+            <a:pPr marL="342900" indent="-342900">
+              <a:buFont typeface="Arial" panose="020B0604020202020204" pitchFamily="34" charset="0"/>
+              <a:buChar char="•"/>
+            </a:pPr>
+            <a:r>
+              <a:rPr lang="en-US" dirty="0">
+                <a:solidFill>
+                  <a:srgbClr val="404040"/>
+                </a:solidFill>
+              </a:rPr>
+              <a:t>Identifying Foreign Keys</a:t>
+            </a:r>
+          </a:p>
+          <a:p>
             <a:pPr marL="800100" lvl="1" indent="-342900">
               <a:buFont typeface="Arial" panose="020B0604020202020204" pitchFamily="34" charset="0"/>
               <a:buChar char="•"/>
             </a:pPr>
-            <a:endParaRPr lang="en-US" dirty="0">
-              <a:solidFill>
-                <a:srgbClr val="404040"/>
-              </a:solidFill>
-            </a:endParaRPr>
+            <a:r>
+              <a:rPr lang="en-US" dirty="0">
+                <a:solidFill>
+                  <a:srgbClr val="404040"/>
+                </a:solidFill>
+              </a:rPr>
+              <a:t>Name is not a Primary Key in Transaction Data</a:t>
+            </a:r>
+          </a:p>
+          <a:p>
+            <a:pPr marL="800100" lvl="1" indent="-342900">
+              <a:buFont typeface="Arial" panose="020B0604020202020204" pitchFamily="34" charset="0"/>
+              <a:buChar char="•"/>
+            </a:pPr>
+            <a:r>
+              <a:rPr lang="en-US" dirty="0">
+                <a:solidFill>
+                  <a:srgbClr val="404040"/>
+                </a:solidFill>
+              </a:rPr>
+              <a:t>Name in Transaction Data is a Foreign Key in Survey Data</a:t>
+            </a:r>
           </a:p>
         </p:txBody>
       </p:sp>
